--- a/Presentations/464_FB_SUNUM Enes.pptx
+++ b/Presentations/464_FB_SUNUM Enes.pptx
@@ -1434,6 +1434,17 @@
             <a:r>
               <a:rPr lang="tr-TR" dirty="0"/>
               <a:t> akımı verebildiği için yüksek akımlarda daha iyi çalışabiliyor.</a:t>
+            </a:r>
+            <a:br>
+              <a:rPr lang="tr-TR" dirty="0"/>
+            </a:br>
+            <a:r>
+              <a:rPr lang="tr-TR" dirty="0"/>
+              <a:t>Analitik hesaplamalar için sözü </a:t>
+            </a:r>
+            <a:r>
+              <a:rPr lang="tr-TR"/>
+              <a:t>Eren’e devrediyorum.</a:t>
             </a:r>
             <a:endParaRPr lang="en-US" dirty="0"/>
           </a:p>
@@ -6799,14 +6810,6 @@
           <a:p>
             <a:pPr algn="ctr"/>
             <a:r>
-              <a:rPr lang="tr-TR" sz="1400" dirty="0" err="1"/>
-              <a:t>Fig</a:t>
-            </a:r>
-            <a:r>
-              <a:rPr lang="tr-TR" sz="1400" dirty="0"/>
-              <a:t>. X </a:t>
-            </a:r>
-            <a:r>
               <a:rPr lang="en-US" sz="1200" dirty="0"/>
               <a:t>Output Voltage Ripple for </a:t>
             </a:r>
@@ -7127,14 +7130,6 @@
           <a:p>
             <a:pPr algn="ctr"/>
             <a:r>
-              <a:rPr lang="tr-TR" sz="1400" dirty="0" err="1"/>
-              <a:t>Fig</a:t>
-            </a:r>
-            <a:r>
-              <a:rPr lang="tr-TR" sz="1400" dirty="0"/>
-              <a:t>. X </a:t>
-            </a:r>
-            <a:r>
               <a:rPr lang="en-US" sz="1200" dirty="0"/>
               <a:t>Output Current Ripple for </a:t>
             </a:r>
@@ -7440,7 +7435,7 @@
         <p:spPr>
           <a:xfrm>
             <a:off x="2113935" y="4469535"/>
-            <a:ext cx="7964129" cy="307777"/>
+            <a:ext cx="7964129" cy="276999"/>
           </a:xfrm>
           <a:prstGeom prst="rect">
             <a:avLst/>
@@ -7454,14 +7449,6 @@
           <a:lstStyle/>
           <a:p>
             <a:pPr algn="ctr"/>
-            <a:r>
-              <a:rPr lang="tr-TR" sz="1400" dirty="0" err="1"/>
-              <a:t>Fig</a:t>
-            </a:r>
-            <a:r>
-              <a:rPr lang="tr-TR" sz="1400" dirty="0"/>
-              <a:t>. X </a:t>
-            </a:r>
             <a:r>
               <a:rPr lang="en-US" sz="1200" dirty="0"/>
               <a:t>Output </a:t>
@@ -7800,14 +7787,6 @@
           <a:p>
             <a:pPr algn="ctr"/>
             <a:r>
-              <a:rPr lang="tr-TR" sz="1400" dirty="0" err="1"/>
-              <a:t>Fig</a:t>
-            </a:r>
-            <a:r>
-              <a:rPr lang="tr-TR" sz="1400" dirty="0"/>
-              <a:t>. X </a:t>
-            </a:r>
-            <a:r>
               <a:rPr lang="en-US" sz="1200" dirty="0"/>
               <a:t>Output </a:t>
             </a:r>
@@ -8144,14 +8123,6 @@
           <a:p>
             <a:pPr algn="ctr"/>
             <a:r>
-              <a:rPr lang="tr-TR" sz="1400" dirty="0" err="1"/>
-              <a:t>Fig</a:t>
-            </a:r>
-            <a:r>
-              <a:rPr lang="tr-TR" sz="1400" dirty="0"/>
-              <a:t>. X </a:t>
-            </a:r>
-            <a:r>
               <a:rPr lang="en-US" sz="1200" dirty="0"/>
               <a:t>O</a:t>
             </a:r>
@@ -8504,14 +8475,6 @@
           <a:p>
             <a:pPr algn="ctr"/>
             <a:r>
-              <a:rPr lang="tr-TR" sz="1400" dirty="0" err="1"/>
-              <a:t>Fig</a:t>
-            </a:r>
-            <a:r>
-              <a:rPr lang="tr-TR" sz="1400" dirty="0"/>
-              <a:t>. X </a:t>
-            </a:r>
-            <a:r>
               <a:rPr lang="en-US" sz="1200" dirty="0"/>
               <a:t>Output</a:t>
             </a:r>
@@ -8852,14 +8815,6 @@
           <a:p>
             <a:pPr algn="ctr"/>
             <a:r>
-              <a:rPr lang="tr-TR" sz="1400" dirty="0" err="1"/>
-              <a:t>Fig</a:t>
-            </a:r>
-            <a:r>
-              <a:rPr lang="tr-TR" sz="1400" dirty="0"/>
-              <a:t>. X </a:t>
-            </a:r>
-            <a:r>
               <a:rPr lang="tr-TR" sz="1200" dirty="0"/>
               <a:t>MOSFET </a:t>
             </a:r>
@@ -9200,14 +9155,6 @@
           <a:p>
             <a:pPr algn="ctr"/>
             <a:r>
-              <a:rPr lang="tr-TR" sz="1400" dirty="0" err="1"/>
-              <a:t>Fig</a:t>
-            </a:r>
-            <a:r>
-              <a:rPr lang="tr-TR" sz="1400" dirty="0"/>
-              <a:t>. X </a:t>
-            </a:r>
-            <a:r>
               <a:rPr lang="tr-TR" sz="1200" dirty="0"/>
               <a:t>MOSFET </a:t>
             </a:r>
@@ -9548,14 +9495,6 @@
           <a:p>
             <a:pPr algn="ctr"/>
             <a:r>
-              <a:rPr lang="tr-TR" sz="1400" dirty="0" err="1"/>
-              <a:t>Fig</a:t>
-            </a:r>
-            <a:r>
-              <a:rPr lang="tr-TR" sz="1400" dirty="0"/>
-              <a:t>. X </a:t>
-            </a:r>
-            <a:r>
               <a:rPr lang="tr-TR" sz="1200" dirty="0"/>
               <a:t>MOSFET </a:t>
             </a:r>
@@ -9896,14 +9835,6 @@
           <a:p>
             <a:pPr algn="ctr"/>
             <a:r>
-              <a:rPr lang="tr-TR" sz="1400" dirty="0" err="1"/>
-              <a:t>Fig</a:t>
-            </a:r>
-            <a:r>
-              <a:rPr lang="tr-TR" sz="1400" dirty="0"/>
-              <a:t>. X </a:t>
-            </a:r>
-            <a:r>
               <a:rPr lang="en-US" sz="1200" dirty="0"/>
               <a:t>Snubber</a:t>
             </a:r>
@@ -10129,19 +10060,37 @@
             </a:r>
           </a:p>
           <a:p>
+            <a:pPr marL="457200" indent="-457200">
+              <a:buAutoNum type="arabicPeriod" startAt="6"/>
+            </a:pPr>
+            <a:r>
+              <a:rPr lang="en-US" sz="2400" dirty="0"/>
+              <a:t>Detailed Simulation Results   </a:t>
+            </a:r>
+            <a:endParaRPr lang="tr-TR" sz="2400" dirty="0"/>
+          </a:p>
+          <a:p>
+            <a:pPr marL="457200" indent="-457200">
+              <a:buAutoNum type="arabicPeriod" startAt="6"/>
+            </a:pPr>
+            <a:r>
+              <a:rPr lang="tr-TR" sz="2400" dirty="0" err="1"/>
+              <a:t>Loss</a:t>
+            </a:r>
             <a:r>
               <a:rPr lang="tr-TR" sz="2400" dirty="0"/>
-              <a:t>6</a:t>
-            </a:r>
-            <a:r>
-              <a:rPr lang="en-US" sz="2400" dirty="0"/>
-              <a:t>.    Detailed Simulation Results   </a:t>
-            </a:r>
+              <a:t> &amp; Thermal </a:t>
+            </a:r>
+            <a:r>
+              <a:rPr lang="tr-TR" sz="2400" dirty="0" err="1"/>
+              <a:t>Calculations</a:t>
+            </a:r>
+            <a:endParaRPr lang="en-US" sz="2400" dirty="0"/>
           </a:p>
           <a:p>
             <a:r>
               <a:rPr lang="tr-TR" sz="2400" dirty="0"/>
-              <a:t>7</a:t>
+              <a:t>8</a:t>
             </a:r>
             <a:r>
               <a:rPr lang="en-US" sz="2400" dirty="0"/>
@@ -10151,25 +10100,7 @@
           <a:p>
             <a:r>
               <a:rPr lang="tr-TR" sz="2400" dirty="0"/>
-              <a:t>7</a:t>
-            </a:r>
-            <a:r>
-              <a:rPr lang="en-US" sz="2400" dirty="0"/>
-              <a:t>.1. </a:t>
-            </a:r>
-            <a:r>
-              <a:rPr lang="tr-TR" sz="2400" dirty="0"/>
-              <a:t> </a:t>
-            </a:r>
-            <a:r>
-              <a:rPr lang="en-US" sz="2400" dirty="0"/>
-              <a:t>Schematic Design    </a:t>
-            </a:r>
-          </a:p>
-          <a:p>
-            <a:r>
-              <a:rPr lang="tr-TR" sz="2400" dirty="0"/>
-              <a:t>8</a:t>
+              <a:t>9</a:t>
             </a:r>
             <a:r>
               <a:rPr lang="en-US" sz="2400" dirty="0"/>
@@ -10187,7 +10118,7 @@
           <a:p>
             <a:r>
               <a:rPr lang="tr-TR" sz="2400" dirty="0"/>
-              <a:t>9</a:t>
+              <a:t>10</a:t>
             </a:r>
             <a:r>
               <a:rPr lang="en-US" sz="2400" dirty="0"/>
@@ -10480,14 +10411,6 @@
           <a:lstStyle/>
           <a:p>
             <a:pPr algn="ctr"/>
-            <a:r>
-              <a:rPr lang="tr-TR" sz="1400" dirty="0" err="1"/>
-              <a:t>Fig</a:t>
-            </a:r>
-            <a:r>
-              <a:rPr lang="tr-TR" sz="1400" dirty="0"/>
-              <a:t>. X </a:t>
-            </a:r>
             <a:r>
               <a:rPr lang="tr-TR" sz="1200" dirty="0" err="1"/>
               <a:t>Power</a:t>
@@ -12436,7 +12359,7 @@
         <p:spPr>
           <a:xfrm>
             <a:off x="2113917" y="4511649"/>
-            <a:ext cx="7964129" cy="307777"/>
+            <a:ext cx="7964129" cy="276999"/>
           </a:xfrm>
           <a:prstGeom prst="rect">
             <a:avLst/>
@@ -12450,14 +12373,6 @@
           <a:lstStyle/>
           <a:p>
             <a:pPr algn="ctr"/>
-            <a:r>
-              <a:rPr lang="tr-TR" sz="1400" dirty="0" err="1"/>
-              <a:t>Fig</a:t>
-            </a:r>
-            <a:r>
-              <a:rPr lang="tr-TR" sz="1400" dirty="0"/>
-              <a:t>. X </a:t>
-            </a:r>
             <a:r>
               <a:rPr lang="en-US" sz="1200" dirty="0"/>
               <a:t>Output Voltage Performance </a:t>
@@ -12733,7 +12648,7 @@
         <p:spPr>
           <a:xfrm>
             <a:off x="2113935" y="4469535"/>
-            <a:ext cx="7964129" cy="307777"/>
+            <a:ext cx="7964129" cy="276999"/>
           </a:xfrm>
           <a:prstGeom prst="rect">
             <a:avLst/>
@@ -12747,14 +12662,6 @@
           <a:lstStyle/>
           <a:p>
             <a:pPr algn="ctr"/>
-            <a:r>
-              <a:rPr lang="tr-TR" sz="1400" dirty="0" err="1"/>
-              <a:t>Fig</a:t>
-            </a:r>
-            <a:r>
-              <a:rPr lang="tr-TR" sz="1400" dirty="0"/>
-              <a:t>. X </a:t>
-            </a:r>
             <a:r>
               <a:rPr lang="en-US" sz="1200" dirty="0"/>
               <a:t>Output Voltage Performance </a:t>
@@ -13073,14 +12980,6 @@
           <a:p>
             <a:pPr algn="ctr"/>
             <a:r>
-              <a:rPr lang="tr-TR" sz="1400" dirty="0" err="1"/>
-              <a:t>Fig</a:t>
-            </a:r>
-            <a:r>
-              <a:rPr lang="tr-TR" sz="1400" dirty="0"/>
-              <a:t>. X </a:t>
-            </a:r>
-            <a:r>
               <a:rPr lang="en-US" sz="1400" dirty="0"/>
               <a:t>Varying</a:t>
             </a:r>
@@ -13395,7 +13294,7 @@
         <p:spPr>
           <a:xfrm>
             <a:off x="2113935" y="4469535"/>
-            <a:ext cx="7964129" cy="307777"/>
+            <a:ext cx="7964129" cy="276999"/>
           </a:xfrm>
           <a:prstGeom prst="rect">
             <a:avLst/>
@@ -13409,14 +13308,6 @@
           <a:lstStyle/>
           <a:p>
             <a:pPr algn="ctr"/>
-            <a:r>
-              <a:rPr lang="tr-TR" sz="1400" dirty="0" err="1"/>
-              <a:t>Fig</a:t>
-            </a:r>
-            <a:r>
-              <a:rPr lang="tr-TR" sz="1400" dirty="0"/>
-              <a:t>. X </a:t>
-            </a:r>
             <a:r>
               <a:rPr lang="en-US" sz="1200" dirty="0"/>
               <a:t>Output Voltage Performance</a:t>
